--- a/expected_test_results/master_template/scenario_short_range/scenario_short_range_temp.pptx
+++ b/expected_test_results/master_template/scenario_short_range/scenario_short_range_temp.pptx
@@ -21094,7 +21094,7 @@
                 <a:latin typeface="Open Sans" panose="020B0606030504020204" pitchFamily="34" charset="0"/>
                 <a:ea typeface="Open Sans" panose="020B0606030504020204" pitchFamily="34" charset="0"/>
               </a:rPr>
-              <a:t>???</a:t>
+              <a:t/>
             </a:r>
             <a:endParaRPr lang="en-US" sz="2000" dirty="0">
               <a:solidFill>
@@ -21169,7 +21169,7 @@
                 <a:latin typeface="Open Sans" panose="020B0606030504020204" pitchFamily="34" charset="0"/>
                 <a:ea typeface="Open Sans" panose="020B0606030504020204" pitchFamily="34" charset="0"/>
               </a:rPr>
-              <a:t>???</a:t>
+              <a:t/>
             </a:r>
             <a:endParaRPr lang="en-US" sz="2000" dirty="0">
               <a:solidFill>
@@ -21244,7 +21244,7 @@
                 <a:latin typeface="Open Sans" panose="020B0606030504020204" pitchFamily="34" charset="0"/>
                 <a:ea typeface="Open Sans" panose="020B0606030504020204" pitchFamily="34" charset="0"/>
               </a:rPr>
-              <a:t>???</a:t>
+              <a:t/>
             </a:r>
             <a:endParaRPr lang="en-US" sz="2000" dirty="0">
               <a:solidFill>
@@ -21319,7 +21319,7 @@
                 <a:latin typeface="Open Sans" panose="020B0606030504020204" pitchFamily="34" charset="0"/>
                 <a:ea typeface="Open Sans" panose="020B0606030504020204" pitchFamily="34" charset="0"/>
               </a:rPr>
-              <a:t>???</a:t>
+              <a:t/>
             </a:r>
             <a:endParaRPr lang="en-US" sz="2000" dirty="0">
               <a:solidFill>
@@ -21394,7 +21394,7 @@
                 <a:latin typeface="Open Sans" panose="020B0606030504020204" pitchFamily="34" charset="0"/>
                 <a:ea typeface="Open Sans" panose="020B0606030504020204" pitchFamily="34" charset="0"/>
               </a:rPr>
-              <a:t>???</a:t>
+              <a:t/>
             </a:r>
             <a:endParaRPr lang="en-US" sz="2000" dirty="0">
               <a:solidFill>
@@ -21469,7 +21469,7 @@
                 <a:latin typeface="Open Sans" panose="020B0606030504020204" pitchFamily="34" charset="0"/>
                 <a:ea typeface="Open Sans" panose="020B0606030504020204" pitchFamily="34" charset="0"/>
               </a:rPr>
-              <a:t>???</a:t>
+              <a:t/>
             </a:r>
             <a:endParaRPr lang="en-US" sz="2000" dirty="0">
               <a:solidFill>
